--- a/Presentation.pptx
+++ b/Presentation.pptx
@@ -111,6 +111,11 @@
       </a:defRPr>
     </a:lvl9pPr>
   </p:defaultTextStyle>
+  <p:extLst>
+    <p:ext uri="{EFAFB233-063F-42B5-8137-9DF3F51BA10A}">
+      <p15:sldGuideLst xmlns:p15="http://schemas.microsoft.com/office/powerpoint/2012/main"/>
+    </p:ext>
+  </p:extLst>
 </p:presentation>
 </file>
 
@@ -3741,7 +3746,7 @@
         </p:spPr>
         <p:txBody>
           <a:bodyPr>
-            <a:normAutofit/>
+            <a:normAutofit lnSpcReduction="10000"/>
           </a:bodyPr>
           <a:lstStyle/>
           <a:p>
@@ -3751,10 +3756,43 @@
             </a:r>
           </a:p>
           <a:p>
+            <a:pPr lvl="1"/>
+            <a:r>
+              <a:rPr lang="en-US" dirty="0"/>
+              <a:t>Python byte manipulation is tedious</a:t>
+            </a:r>
+          </a:p>
+          <a:p>
+            <a:pPr lvl="1"/>
+            <a:r>
+              <a:rPr lang="en-US" dirty="0"/>
+              <a:t>No new types in Python, only classes</a:t>
+            </a:r>
+          </a:p>
+          <a:p>
+            <a:pPr lvl="1"/>
+            <a:r>
+              <a:rPr lang="en-US" dirty="0"/>
+              <a:t>Limited built-in types (no unsigned integers)</a:t>
+            </a:r>
+          </a:p>
+          <a:p>
+            <a:pPr marL="457200" lvl="1" indent="0">
+              <a:buNone/>
+            </a:pPr>
+            <a:endParaRPr lang="en-US" dirty="0"/>
+          </a:p>
+          <a:p>
             <a:r>
               <a:rPr lang="en-US" dirty="0"/>
               <a:t>Communicates over UDP sockets</a:t>
             </a:r>
+          </a:p>
+          <a:p>
+            <a:pPr marL="0" indent="0">
+              <a:buNone/>
+            </a:pPr>
+            <a:endParaRPr lang="en-US" dirty="0"/>
           </a:p>
           <a:p>
             <a:r>
